--- a/Notes/shell-notes.pptx
+++ b/Notes/shell-notes.pptx
@@ -18,11 +18,16 @@
     <p:sldId id="266" r:id="rId12"/>
     <p:sldId id="267" r:id="rId13"/>
     <p:sldId id="268" r:id="rId14"/>
-    <p:sldId id="269" r:id="rId15"/>
-    <p:sldId id="270" r:id="rId16"/>
-    <p:sldId id="271" r:id="rId17"/>
-    <p:sldId id="272" r:id="rId18"/>
-    <p:sldId id="273" r:id="rId19"/>
+    <p:sldId id="274" r:id="rId15"/>
+    <p:sldId id="275" r:id="rId16"/>
+    <p:sldId id="269" r:id="rId17"/>
+    <p:sldId id="270" r:id="rId18"/>
+    <p:sldId id="276" r:id="rId19"/>
+    <p:sldId id="277" r:id="rId20"/>
+    <p:sldId id="271" r:id="rId21"/>
+    <p:sldId id="272" r:id="rId22"/>
+    <p:sldId id="278" r:id="rId23"/>
+    <p:sldId id="273" r:id="rId24"/>
   </p:sldIdLst>
   <p:sldSz cx="12192000" cy="6858000"/>
   <p:notesSz cx="6858000" cy="9144000"/>
@@ -121,6 +126,11 @@
       </a:defRPr>
     </a:lvl9pPr>
   </p:defaultTextStyle>
+  <p:extLst>
+    <p:ext uri="{EFAFB233-063F-42B5-8137-9DF3F51BA10A}">
+      <p15:sldGuideLst xmlns:p15="http://schemas.microsoft.com/office/powerpoint/2012/main"/>
+    </p:ext>
+  </p:extLst>
 </p:presentation>
 </file>
 
@@ -255,7 +265,7 @@
           <a:p>
             <a:fld id="{4F4AF9CB-3651-9441-9AB7-6575D7008D71}" type="datetimeFigureOut">
               <a:rPr lang="en-US" smtClean="0"/>
-              <a:t>1/30/18</a:t>
+              <a:t>2/1/18</a:t>
             </a:fld>
             <a:endParaRPr lang="en-US"/>
           </a:p>
@@ -425,7 +435,7 @@
           <a:p>
             <a:fld id="{4F4AF9CB-3651-9441-9AB7-6575D7008D71}" type="datetimeFigureOut">
               <a:rPr lang="en-US" smtClean="0"/>
-              <a:t>1/30/18</a:t>
+              <a:t>2/1/18</a:t>
             </a:fld>
             <a:endParaRPr lang="en-US"/>
           </a:p>
@@ -605,7 +615,7 @@
           <a:p>
             <a:fld id="{4F4AF9CB-3651-9441-9AB7-6575D7008D71}" type="datetimeFigureOut">
               <a:rPr lang="en-US" smtClean="0"/>
-              <a:t>1/30/18</a:t>
+              <a:t>2/1/18</a:t>
             </a:fld>
             <a:endParaRPr lang="en-US"/>
           </a:p>
@@ -775,7 +785,7 @@
           <a:p>
             <a:fld id="{4F4AF9CB-3651-9441-9AB7-6575D7008D71}" type="datetimeFigureOut">
               <a:rPr lang="en-US" smtClean="0"/>
-              <a:t>1/30/18</a:t>
+              <a:t>2/1/18</a:t>
             </a:fld>
             <a:endParaRPr lang="en-US"/>
           </a:p>
@@ -1021,7 +1031,7 @@
           <a:p>
             <a:fld id="{4F4AF9CB-3651-9441-9AB7-6575D7008D71}" type="datetimeFigureOut">
               <a:rPr lang="en-US" smtClean="0"/>
-              <a:t>1/30/18</a:t>
+              <a:t>2/1/18</a:t>
             </a:fld>
             <a:endParaRPr lang="en-US"/>
           </a:p>
@@ -1253,7 +1263,7 @@
           <a:p>
             <a:fld id="{4F4AF9CB-3651-9441-9AB7-6575D7008D71}" type="datetimeFigureOut">
               <a:rPr lang="en-US" smtClean="0"/>
-              <a:t>1/30/18</a:t>
+              <a:t>2/1/18</a:t>
             </a:fld>
             <a:endParaRPr lang="en-US"/>
           </a:p>
@@ -1620,7 +1630,7 @@
           <a:p>
             <a:fld id="{4F4AF9CB-3651-9441-9AB7-6575D7008D71}" type="datetimeFigureOut">
               <a:rPr lang="en-US" smtClean="0"/>
-              <a:t>1/30/18</a:t>
+              <a:t>2/1/18</a:t>
             </a:fld>
             <a:endParaRPr lang="en-US"/>
           </a:p>
@@ -1738,7 +1748,7 @@
           <a:p>
             <a:fld id="{4F4AF9CB-3651-9441-9AB7-6575D7008D71}" type="datetimeFigureOut">
               <a:rPr lang="en-US" smtClean="0"/>
-              <a:t>1/30/18</a:t>
+              <a:t>2/1/18</a:t>
             </a:fld>
             <a:endParaRPr lang="en-US"/>
           </a:p>
@@ -1833,7 +1843,7 @@
           <a:p>
             <a:fld id="{4F4AF9CB-3651-9441-9AB7-6575D7008D71}" type="datetimeFigureOut">
               <a:rPr lang="en-US" smtClean="0"/>
-              <a:t>1/30/18</a:t>
+              <a:t>2/1/18</a:t>
             </a:fld>
             <a:endParaRPr lang="en-US"/>
           </a:p>
@@ -2110,7 +2120,7 @@
           <a:p>
             <a:fld id="{4F4AF9CB-3651-9441-9AB7-6575D7008D71}" type="datetimeFigureOut">
               <a:rPr lang="en-US" smtClean="0"/>
-              <a:t>1/30/18</a:t>
+              <a:t>2/1/18</a:t>
             </a:fld>
             <a:endParaRPr lang="en-US"/>
           </a:p>
@@ -2363,7 +2373,7 @@
           <a:p>
             <a:fld id="{4F4AF9CB-3651-9441-9AB7-6575D7008D71}" type="datetimeFigureOut">
               <a:rPr lang="en-US" smtClean="0"/>
-              <a:t>1/30/18</a:t>
+              <a:t>2/1/18</a:t>
             </a:fld>
             <a:endParaRPr lang="en-US"/>
           </a:p>
@@ -2576,7 +2586,7 @@
           <a:p>
             <a:fld id="{4F4AF9CB-3651-9441-9AB7-6575D7008D71}" type="datetimeFigureOut">
               <a:rPr lang="en-US" smtClean="0"/>
-              <a:t>1/30/18</a:t>
+              <a:t>2/1/18</a:t>
             </a:fld>
             <a:endParaRPr lang="en-US"/>
           </a:p>
@@ -3153,6 +3163,10 @@
               <a:rPr lang="en-US" dirty="0" err="1" smtClean="0"/>
               <a:t>usr</a:t>
             </a:r>
+            <a:r>
+              <a:rPr lang="en-US" dirty="0" smtClean="0"/>
+              <a:t> (Refers to the current directory)</a:t>
+            </a:r>
             <a:endParaRPr lang="en-US" dirty="0" smtClean="0"/>
           </a:p>
           <a:p>
@@ -3370,7 +3384,43 @@
           <a:p>
             <a:r>
               <a:rPr lang="en-US" dirty="0" smtClean="0"/>
-              <a:t>File names and commands are case sensitive in Linux.</a:t>
+              <a:t>File names and commands are case sensitive in Linux</a:t>
+            </a:r>
+            <a:r>
+              <a:rPr lang="en-US" dirty="0" smtClean="0"/>
+              <a:t>.</a:t>
+            </a:r>
+          </a:p>
+          <a:p>
+            <a:r>
+              <a:rPr lang="en-US" dirty="0" smtClean="0"/>
+              <a:t>Doing ls </a:t>
+            </a:r>
+            <a:r>
+              <a:rPr lang="en-US" dirty="0" smtClean="0"/>
+              <a:t>-a will list hidden files that begin with a dot ”.”</a:t>
+            </a:r>
+          </a:p>
+          <a:p>
+            <a:r>
+              <a:rPr lang="en-US" dirty="0" smtClean="0"/>
+              <a:t>Linux has no concept of ”file extension” </a:t>
+            </a:r>
+            <a:r>
+              <a:rPr lang="en-US" dirty="0" err="1" smtClean="0"/>
+              <a:t>i.e</a:t>
+            </a:r>
+            <a:r>
+              <a:rPr lang="en-US" dirty="0" smtClean="0"/>
+              <a:t>: .</a:t>
+            </a:r>
+            <a:r>
+              <a:rPr lang="en-US" dirty="0" err="1" smtClean="0"/>
+              <a:t>js</a:t>
+            </a:r>
+            <a:r>
+              <a:rPr lang="en-US" dirty="0" smtClean="0"/>
+              <a:t>, .java, .tar, etc.. You may name your files any way you like.</a:t>
             </a:r>
             <a:endParaRPr lang="en-US" dirty="0"/>
           </a:p>
@@ -3527,7 +3577,11 @@
           <a:bodyPr/>
           <a:lstStyle/>
           <a:p>
-            <a:endParaRPr lang="en-US"/>
+            <a:r>
+              <a:rPr lang="en-US" dirty="0" smtClean="0"/>
+              <a:t>Command, Option, Arguments</a:t>
+            </a:r>
+            <a:endParaRPr lang="en-US" dirty="0"/>
           </a:p>
         </p:txBody>
       </p:sp>
@@ -3541,72 +3595,60 @@
             <p:ph idx="1"/>
           </p:nvPr>
         </p:nvSpPr>
-        <p:spPr/>
-        <p:txBody>
-          <a:bodyPr/>
-          <a:lstStyle/>
-          <a:p>
-            <a:r>
-              <a:rPr lang="en-US" dirty="0" smtClean="0"/>
-              <a:t>You can also view multiple directories.</a:t>
-            </a:r>
-          </a:p>
-          <a:p>
-            <a:r>
-              <a:rPr lang="en-US" dirty="0" smtClean="0"/>
-              <a:t>“ls ~ /</a:t>
+        <p:spPr>
+          <a:xfrm>
+            <a:off x="838200" y="1846173"/>
+            <a:ext cx="10515600" cy="4351338"/>
+          </a:xfrm>
+        </p:spPr>
+        <p:txBody>
+          <a:bodyPr/>
+          <a:lstStyle/>
+          <a:p>
+            <a:r>
+              <a:rPr lang="en-US" dirty="0" smtClean="0"/>
+              <a:t>Commands are often followed by one or more options that modify their behavior. </a:t>
             </a:r>
             <a:r>
               <a:rPr lang="en-US" dirty="0" err="1" smtClean="0"/>
-              <a:t>usr</a:t>
-            </a:r>
-            <a:r>
-              <a:rPr lang="en-US" dirty="0" smtClean="0"/>
-              <a:t>” </a:t>
-            </a:r>
-            <a:r>
-              <a:rPr lang="mr-IN" dirty="0" smtClean="0"/>
-              <a:t>–</a:t>
-            </a:r>
-            <a:r>
-              <a:rPr lang="en-US" dirty="0" smtClean="0"/>
-              <a:t> This will list all of the directories in the home directory (specified with the ~ character) and the directories in /</a:t>
-            </a:r>
-            <a:r>
-              <a:rPr lang="en-US" dirty="0" err="1" smtClean="0"/>
-              <a:t>usr</a:t>
-            </a:r>
-            <a:r>
-              <a:rPr lang="en-US" dirty="0" smtClean="0"/>
-              <a:t>.</a:t>
-            </a:r>
-          </a:p>
-          <a:p>
-            <a:r>
-              <a:rPr lang="en-US" dirty="0" smtClean="0"/>
-              <a:t>You can also do “ls </a:t>
-            </a:r>
-            <a:r>
-              <a:rPr lang="mr-IN" dirty="0" smtClean="0"/>
-              <a:t>–</a:t>
-            </a:r>
-            <a:r>
-              <a:rPr lang="en-US" dirty="0" smtClean="0"/>
-              <a:t>l” which will change the output to long format.</a:t>
-            </a:r>
-          </a:p>
-          <a:p>
-            <a:r>
-              <a:rPr lang="en-US" dirty="0" smtClean="0"/>
-              <a:t>You can use the following arguments with the ls command. (See next page).</a:t>
-            </a:r>
-          </a:p>
-        </p:txBody>
-      </p:sp>
+              <a:t>I.e</a:t>
+            </a:r>
+            <a:r>
+              <a:rPr lang="en-US" dirty="0" smtClean="0"/>
+              <a:t>: “ls -l” produces a long format output for all of the files in the directory.</a:t>
+            </a:r>
+            <a:endParaRPr lang="en-US" dirty="0"/>
+          </a:p>
+        </p:txBody>
+      </p:sp>
+      <p:pic>
+        <p:nvPicPr>
+          <p:cNvPr id="4" name="Picture 3"/>
+          <p:cNvPicPr>
+            <a:picLocks noChangeAspect="1"/>
+          </p:cNvPicPr>
+          <p:nvPr/>
+        </p:nvPicPr>
+        <p:blipFill>
+          <a:blip r:embed="rId2"/>
+          <a:stretch>
+            <a:fillRect/>
+          </a:stretch>
+        </p:blipFill>
+        <p:spPr>
+          <a:xfrm>
+            <a:off x="1053957" y="3400674"/>
+            <a:ext cx="8750300" cy="2501900"/>
+          </a:xfrm>
+          <a:prstGeom prst="rect">
+            <a:avLst/>
+          </a:prstGeom>
+        </p:spPr>
+      </p:pic>
     </p:spTree>
     <p:extLst>
       <p:ext uri="{BB962C8B-B14F-4D97-AF65-F5344CB8AC3E}">
-        <p14:creationId xmlns:p14="http://schemas.microsoft.com/office/powerpoint/2010/main" val="2102428711"/>
+        <p14:creationId xmlns:p14="http://schemas.microsoft.com/office/powerpoint/2010/main" val="271979099"/>
       </p:ext>
     </p:extLst>
   </p:cSld>
@@ -3648,7 +3690,11 @@
           <a:bodyPr/>
           <a:lstStyle/>
           <a:p>
-            <a:endParaRPr lang="en-US"/>
+            <a:r>
+              <a:rPr lang="en-US" dirty="0" smtClean="0"/>
+              <a:t>Combining Options</a:t>
+            </a:r>
+            <a:endParaRPr lang="en-US" dirty="0"/>
           </a:p>
         </p:txBody>
       </p:sp>
@@ -3667,38 +3713,32 @@
           <a:bodyPr/>
           <a:lstStyle/>
           <a:p>
-            <a:endParaRPr lang="en-US"/>
-          </a:p>
-        </p:txBody>
-      </p:sp>
-      <p:pic>
-        <p:nvPicPr>
-          <p:cNvPr id="4" name="Picture 3"/>
-          <p:cNvPicPr>
-            <a:picLocks noChangeAspect="1"/>
-          </p:cNvPicPr>
-          <p:nvPr/>
-        </p:nvPicPr>
-        <p:blipFill>
-          <a:blip r:embed="rId2"/>
-          <a:stretch>
-            <a:fillRect/>
-          </a:stretch>
-        </p:blipFill>
-        <p:spPr>
-          <a:xfrm>
-            <a:off x="2180422" y="0"/>
-            <a:ext cx="7613442" cy="6858000"/>
-          </a:xfrm>
-          <a:prstGeom prst="rect">
-            <a:avLst/>
-          </a:prstGeom>
-        </p:spPr>
-      </p:pic>
+            <a:r>
+              <a:rPr lang="en-US" dirty="0" smtClean="0"/>
+              <a:t>You can also combine options too.</a:t>
+            </a:r>
+          </a:p>
+          <a:p>
+            <a:r>
+              <a:rPr lang="en-US" dirty="0" smtClean="0"/>
+              <a:t>“ls -</a:t>
+            </a:r>
+            <a:r>
+              <a:rPr lang="en-US" dirty="0" err="1" smtClean="0"/>
+              <a:t>lt</a:t>
+            </a:r>
+            <a:r>
+              <a:rPr lang="en-US" dirty="0" smtClean="0"/>
+              <a:t>” will list all of the files in a long format output as well as the file’s modification time.</a:t>
+            </a:r>
+            <a:endParaRPr lang="en-US" dirty="0"/>
+          </a:p>
+        </p:txBody>
+      </p:sp>
     </p:spTree>
     <p:extLst>
       <p:ext uri="{BB962C8B-B14F-4D97-AF65-F5344CB8AC3E}">
-        <p14:creationId xmlns:p14="http://schemas.microsoft.com/office/powerpoint/2010/main" val="503201400"/>
+        <p14:creationId xmlns:p14="http://schemas.microsoft.com/office/powerpoint/2010/main" val="254341908"/>
       </p:ext>
     </p:extLst>
   </p:cSld>
@@ -3740,6 +3780,607 @@
           <a:bodyPr/>
           <a:lstStyle/>
           <a:p>
+            <a:endParaRPr lang="en-US"/>
+          </a:p>
+        </p:txBody>
+      </p:sp>
+      <p:sp>
+        <p:nvSpPr>
+          <p:cNvPr id="3" name="Content Placeholder 2"/>
+          <p:cNvSpPr>
+            <a:spLocks noGrp="1"/>
+          </p:cNvSpPr>
+          <p:nvPr>
+            <p:ph idx="1"/>
+          </p:nvPr>
+        </p:nvSpPr>
+        <p:spPr/>
+        <p:txBody>
+          <a:bodyPr/>
+          <a:lstStyle/>
+          <a:p>
+            <a:r>
+              <a:rPr lang="en-US" dirty="0" smtClean="0"/>
+              <a:t>You can also view multiple directories.</a:t>
+            </a:r>
+          </a:p>
+          <a:p>
+            <a:r>
+              <a:rPr lang="en-US" dirty="0" smtClean="0"/>
+              <a:t>“ls ~ /</a:t>
+            </a:r>
+            <a:r>
+              <a:rPr lang="en-US" dirty="0" err="1" smtClean="0"/>
+              <a:t>usr</a:t>
+            </a:r>
+            <a:r>
+              <a:rPr lang="en-US" dirty="0" smtClean="0"/>
+              <a:t>” </a:t>
+            </a:r>
+            <a:r>
+              <a:rPr lang="mr-IN" dirty="0" smtClean="0"/>
+              <a:t>–</a:t>
+            </a:r>
+            <a:r>
+              <a:rPr lang="en-US" dirty="0" smtClean="0"/>
+              <a:t> This will list all of the directories in the home directory (specified with the ~ character) and the directories in /</a:t>
+            </a:r>
+            <a:r>
+              <a:rPr lang="en-US" dirty="0" err="1" smtClean="0"/>
+              <a:t>usr</a:t>
+            </a:r>
+            <a:r>
+              <a:rPr lang="en-US" dirty="0" smtClean="0"/>
+              <a:t>.</a:t>
+            </a:r>
+          </a:p>
+          <a:p>
+            <a:r>
+              <a:rPr lang="en-US" dirty="0" smtClean="0"/>
+              <a:t>You can also do “ls </a:t>
+            </a:r>
+            <a:r>
+              <a:rPr lang="mr-IN" dirty="0" smtClean="0"/>
+              <a:t>–</a:t>
+            </a:r>
+            <a:r>
+              <a:rPr lang="en-US" dirty="0" smtClean="0"/>
+              <a:t>l” which will change the output to long format.</a:t>
+            </a:r>
+          </a:p>
+          <a:p>
+            <a:r>
+              <a:rPr lang="en-US" dirty="0" smtClean="0"/>
+              <a:t>You can use the following arguments with the ls command. (See next page).</a:t>
+            </a:r>
+          </a:p>
+        </p:txBody>
+      </p:sp>
+    </p:spTree>
+    <p:extLst>
+      <p:ext uri="{BB962C8B-B14F-4D97-AF65-F5344CB8AC3E}">
+        <p14:creationId xmlns:p14="http://schemas.microsoft.com/office/powerpoint/2010/main" val="2102428711"/>
+      </p:ext>
+    </p:extLst>
+  </p:cSld>
+  <p:clrMapOvr>
+    <a:masterClrMapping/>
+  </p:clrMapOvr>
+</p:sld>
+</file>
+
+<file path=ppt/slides/slide17.xml><?xml version="1.0" encoding="utf-8"?>
+<p:sld xmlns:a="http://schemas.openxmlformats.org/drawingml/2006/main" xmlns:r="http://schemas.openxmlformats.org/officeDocument/2006/relationships" xmlns:p="http://schemas.openxmlformats.org/presentationml/2006/main">
+  <p:cSld>
+    <p:spTree>
+      <p:nvGrpSpPr>
+        <p:cNvPr id="1" name=""/>
+        <p:cNvGrpSpPr/>
+        <p:nvPr/>
+      </p:nvGrpSpPr>
+      <p:grpSpPr>
+        <a:xfrm>
+          <a:off x="0" y="0"/>
+          <a:ext cx="0" cy="0"/>
+          <a:chOff x="0" y="0"/>
+          <a:chExt cx="0" cy="0"/>
+        </a:xfrm>
+      </p:grpSpPr>
+      <p:sp>
+        <p:nvSpPr>
+          <p:cNvPr id="2" name="Title 1"/>
+          <p:cNvSpPr>
+            <a:spLocks noGrp="1"/>
+          </p:cNvSpPr>
+          <p:nvPr>
+            <p:ph type="title"/>
+          </p:nvPr>
+        </p:nvSpPr>
+        <p:spPr/>
+        <p:txBody>
+          <a:bodyPr/>
+          <a:lstStyle/>
+          <a:p>
+            <a:endParaRPr lang="en-US"/>
+          </a:p>
+        </p:txBody>
+      </p:sp>
+      <p:sp>
+        <p:nvSpPr>
+          <p:cNvPr id="3" name="Content Placeholder 2"/>
+          <p:cNvSpPr>
+            <a:spLocks noGrp="1"/>
+          </p:cNvSpPr>
+          <p:nvPr>
+            <p:ph idx="1"/>
+          </p:nvPr>
+        </p:nvSpPr>
+        <p:spPr/>
+        <p:txBody>
+          <a:bodyPr/>
+          <a:lstStyle/>
+          <a:p>
+            <a:endParaRPr lang="en-US" dirty="0"/>
+          </a:p>
+        </p:txBody>
+      </p:sp>
+      <p:pic>
+        <p:nvPicPr>
+          <p:cNvPr id="4" name="Picture 3"/>
+          <p:cNvPicPr>
+            <a:picLocks noChangeAspect="1"/>
+          </p:cNvPicPr>
+          <p:nvPr/>
+        </p:nvPicPr>
+        <p:blipFill>
+          <a:blip r:embed="rId2"/>
+          <a:stretch>
+            <a:fillRect/>
+          </a:stretch>
+        </p:blipFill>
+        <p:spPr>
+          <a:xfrm>
+            <a:off x="838200" y="1487936"/>
+            <a:ext cx="5961603" cy="5370064"/>
+          </a:xfrm>
+          <a:prstGeom prst="rect">
+            <a:avLst/>
+          </a:prstGeom>
+        </p:spPr>
+      </p:pic>
+    </p:spTree>
+    <p:extLst>
+      <p:ext uri="{BB962C8B-B14F-4D97-AF65-F5344CB8AC3E}">
+        <p14:creationId xmlns:p14="http://schemas.microsoft.com/office/powerpoint/2010/main" val="503201400"/>
+      </p:ext>
+    </p:extLst>
+  </p:cSld>
+  <p:clrMapOvr>
+    <a:masterClrMapping/>
+  </p:clrMapOvr>
+</p:sld>
+</file>
+
+<file path=ppt/slides/slide18.xml><?xml version="1.0" encoding="utf-8"?>
+<p:sld xmlns:a="http://schemas.openxmlformats.org/drawingml/2006/main" xmlns:r="http://schemas.openxmlformats.org/officeDocument/2006/relationships" xmlns:p="http://schemas.openxmlformats.org/presentationml/2006/main">
+  <p:cSld>
+    <p:spTree>
+      <p:nvGrpSpPr>
+        <p:cNvPr id="1" name=""/>
+        <p:cNvGrpSpPr/>
+        <p:nvPr/>
+      </p:nvGrpSpPr>
+      <p:grpSpPr>
+        <a:xfrm>
+          <a:off x="0" y="0"/>
+          <a:ext cx="0" cy="0"/>
+          <a:chOff x="0" y="0"/>
+          <a:chExt cx="0" cy="0"/>
+        </a:xfrm>
+      </p:grpSpPr>
+      <p:sp>
+        <p:nvSpPr>
+          <p:cNvPr id="2" name="Title 1"/>
+          <p:cNvSpPr>
+            <a:spLocks noGrp="1"/>
+          </p:cNvSpPr>
+          <p:nvPr>
+            <p:ph type="title"/>
+          </p:nvPr>
+        </p:nvSpPr>
+        <p:spPr/>
+        <p:txBody>
+          <a:bodyPr/>
+          <a:lstStyle/>
+          <a:p>
+            <a:r>
+              <a:rPr lang="en-US" dirty="0" smtClean="0"/>
+              <a:t>Long Format</a:t>
+            </a:r>
+            <a:endParaRPr lang="en-US" dirty="0"/>
+          </a:p>
+        </p:txBody>
+      </p:sp>
+      <p:sp>
+        <p:nvSpPr>
+          <p:cNvPr id="3" name="Content Placeholder 2"/>
+          <p:cNvSpPr>
+            <a:spLocks noGrp="1"/>
+          </p:cNvSpPr>
+          <p:nvPr>
+            <p:ph idx="1"/>
+          </p:nvPr>
+        </p:nvSpPr>
+        <p:spPr/>
+        <p:txBody>
+          <a:bodyPr>
+            <a:normAutofit lnSpcReduction="10000"/>
+          </a:bodyPr>
+          <a:lstStyle/>
+          <a:p>
+            <a:r>
+              <a:rPr lang="en-US" dirty="0" smtClean="0"/>
+              <a:t>-</a:t>
+            </a:r>
+            <a:r>
+              <a:rPr lang="en-US" dirty="0" err="1" smtClean="0"/>
+              <a:t>rw</a:t>
+            </a:r>
+            <a:r>
+              <a:rPr lang="en-US" dirty="0" smtClean="0"/>
+              <a:t>-r--r-- 	1	root root 213414	2018-02-17 12:15 </a:t>
+            </a:r>
+            <a:r>
+              <a:rPr lang="en-US" dirty="0" err="1" smtClean="0"/>
+              <a:t>sample.txt</a:t>
+            </a:r>
+            <a:endParaRPr lang="en-US" dirty="0" smtClean="0"/>
+          </a:p>
+          <a:p>
+            <a:r>
+              <a:rPr lang="en-US" dirty="0" smtClean="0"/>
+              <a:t>This is an example of long format output when you use the -l argument. We will look specifically at “-</a:t>
+            </a:r>
+            <a:r>
+              <a:rPr lang="en-US" dirty="0" err="1" smtClean="0"/>
+              <a:t>rw</a:t>
+            </a:r>
+            <a:r>
+              <a:rPr lang="en-US" dirty="0" smtClean="0"/>
+              <a:t>-r--r--”.</a:t>
+            </a:r>
+          </a:p>
+          <a:p>
+            <a:r>
+              <a:rPr lang="en-US" dirty="0" smtClean="0"/>
+              <a:t>The first character, ”-” tells us what kind of file it is. In this case, - means it is a regular file, and if the first character is “d”, then the file is a directory.</a:t>
+            </a:r>
+          </a:p>
+          <a:p>
+            <a:r>
+              <a:rPr lang="en-US" dirty="0" smtClean="0"/>
+              <a:t>The next three characters, “</a:t>
+            </a:r>
+            <a:r>
+              <a:rPr lang="en-US" dirty="0" err="1" smtClean="0"/>
+              <a:t>rw</a:t>
+            </a:r>
+            <a:r>
+              <a:rPr lang="en-US" dirty="0" smtClean="0"/>
+              <a:t>-” are access rights, aka reading/writing.</a:t>
+            </a:r>
+          </a:p>
+          <a:p>
+            <a:r>
+              <a:rPr lang="en-US" dirty="0" smtClean="0"/>
+              <a:t>The next three characters, r-- are members for the file group, and the last three are for everyone else.</a:t>
+            </a:r>
+            <a:endParaRPr lang="en-US" dirty="0"/>
+          </a:p>
+          <a:p>
+            <a:endParaRPr lang="en-US" dirty="0" smtClean="0"/>
+          </a:p>
+          <a:p>
+            <a:endParaRPr lang="en-US" dirty="0"/>
+          </a:p>
+        </p:txBody>
+      </p:sp>
+    </p:spTree>
+    <p:extLst>
+      <p:ext uri="{BB962C8B-B14F-4D97-AF65-F5344CB8AC3E}">
+        <p14:creationId xmlns:p14="http://schemas.microsoft.com/office/powerpoint/2010/main" val="254524658"/>
+      </p:ext>
+    </p:extLst>
+  </p:cSld>
+  <p:clrMapOvr>
+    <a:masterClrMapping/>
+  </p:clrMapOvr>
+</p:sld>
+</file>
+
+<file path=ppt/slides/slide19.xml><?xml version="1.0" encoding="utf-8"?>
+<p:sld xmlns:a="http://schemas.openxmlformats.org/drawingml/2006/main" xmlns:r="http://schemas.openxmlformats.org/officeDocument/2006/relationships" xmlns:p="http://schemas.openxmlformats.org/presentationml/2006/main">
+  <p:cSld>
+    <p:spTree>
+      <p:nvGrpSpPr>
+        <p:cNvPr id="1" name=""/>
+        <p:cNvGrpSpPr/>
+        <p:nvPr/>
+      </p:nvGrpSpPr>
+      <p:grpSpPr>
+        <a:xfrm>
+          <a:off x="0" y="0"/>
+          <a:ext cx="0" cy="0"/>
+          <a:chOff x="0" y="0"/>
+          <a:chExt cx="0" cy="0"/>
+        </a:xfrm>
+      </p:grpSpPr>
+      <p:sp>
+        <p:nvSpPr>
+          <p:cNvPr id="2" name="Title 1"/>
+          <p:cNvSpPr>
+            <a:spLocks noGrp="1"/>
+          </p:cNvSpPr>
+          <p:nvPr>
+            <p:ph type="title"/>
+          </p:nvPr>
+        </p:nvSpPr>
+        <p:spPr/>
+        <p:txBody>
+          <a:bodyPr/>
+          <a:lstStyle/>
+          <a:p>
+            <a:r>
+              <a:rPr lang="en-US" dirty="0" smtClean="0"/>
+              <a:t>Cont.</a:t>
+            </a:r>
+            <a:endParaRPr lang="en-US" dirty="0"/>
+          </a:p>
+        </p:txBody>
+      </p:sp>
+      <p:sp>
+        <p:nvSpPr>
+          <p:cNvPr id="3" name="Content Placeholder 2"/>
+          <p:cNvSpPr>
+            <a:spLocks noGrp="1"/>
+          </p:cNvSpPr>
+          <p:nvPr>
+            <p:ph idx="1"/>
+          </p:nvPr>
+        </p:nvSpPr>
+        <p:spPr/>
+        <p:txBody>
+          <a:bodyPr/>
+          <a:lstStyle/>
+          <a:p>
+            <a:r>
+              <a:rPr lang="en-US" dirty="0" smtClean="0"/>
+              <a:t>The digit “1” that comes after the </a:t>
+            </a:r>
+            <a:r>
+              <a:rPr lang="en-US" dirty="0"/>
+              <a:t>-</a:t>
+            </a:r>
+            <a:r>
+              <a:rPr lang="en-US" dirty="0" err="1" smtClean="0"/>
+              <a:t>rw</a:t>
+            </a:r>
+            <a:r>
+              <a:rPr lang="en-US" dirty="0" smtClean="0"/>
+              <a:t>-r--r-- tells us the file’s number of hard links.</a:t>
+            </a:r>
+          </a:p>
+          <a:p>
+            <a:r>
+              <a:rPr lang="en-US" dirty="0" smtClean="0"/>
+              <a:t>Root means the the username of the file’s owner.</a:t>
+            </a:r>
+          </a:p>
+          <a:p>
+            <a:r>
+              <a:rPr lang="en-US" dirty="0" smtClean="0"/>
+              <a:t>The root field after the first one is the name of the group which owns the file.</a:t>
+            </a:r>
+          </a:p>
+          <a:p>
+            <a:r>
+              <a:rPr lang="en-US" dirty="0" smtClean="0"/>
+              <a:t>213414 is the size of the file.</a:t>
+            </a:r>
+          </a:p>
+          <a:p>
+            <a:r>
+              <a:rPr lang="en-US" dirty="0" smtClean="0"/>
+              <a:t>And the rest are self-explanatory/obvious.</a:t>
+            </a:r>
+            <a:endParaRPr lang="en-US" dirty="0"/>
+          </a:p>
+        </p:txBody>
+      </p:sp>
+    </p:spTree>
+    <p:extLst>
+      <p:ext uri="{BB962C8B-B14F-4D97-AF65-F5344CB8AC3E}">
+        <p14:creationId xmlns:p14="http://schemas.microsoft.com/office/powerpoint/2010/main" val="1518299555"/>
+      </p:ext>
+    </p:extLst>
+  </p:cSld>
+  <p:clrMapOvr>
+    <a:masterClrMapping/>
+  </p:clrMapOvr>
+</p:sld>
+</file>
+
+<file path=ppt/slides/slide2.xml><?xml version="1.0" encoding="utf-8"?>
+<p:sld xmlns:a="http://schemas.openxmlformats.org/drawingml/2006/main" xmlns:r="http://schemas.openxmlformats.org/officeDocument/2006/relationships" xmlns:p="http://schemas.openxmlformats.org/presentationml/2006/main">
+  <p:cSld>
+    <p:spTree>
+      <p:nvGrpSpPr>
+        <p:cNvPr id="1" name=""/>
+        <p:cNvGrpSpPr/>
+        <p:nvPr/>
+      </p:nvGrpSpPr>
+      <p:grpSpPr>
+        <a:xfrm>
+          <a:off x="0" y="0"/>
+          <a:ext cx="0" cy="0"/>
+          <a:chOff x="0" y="0"/>
+          <a:chExt cx="0" cy="0"/>
+        </a:xfrm>
+      </p:grpSpPr>
+      <p:sp>
+        <p:nvSpPr>
+          <p:cNvPr id="2" name="Title 1"/>
+          <p:cNvSpPr>
+            <a:spLocks noGrp="1"/>
+          </p:cNvSpPr>
+          <p:nvPr>
+            <p:ph type="title"/>
+          </p:nvPr>
+        </p:nvSpPr>
+        <p:spPr/>
+        <p:txBody>
+          <a:bodyPr/>
+          <a:lstStyle/>
+          <a:p>
+            <a:r>
+              <a:rPr lang="en-US" dirty="0" smtClean="0"/>
+              <a:t>The Shell</a:t>
+            </a:r>
+            <a:endParaRPr lang="en-US" dirty="0"/>
+          </a:p>
+        </p:txBody>
+      </p:sp>
+      <p:sp>
+        <p:nvSpPr>
+          <p:cNvPr id="3" name="Content Placeholder 2"/>
+          <p:cNvSpPr>
+            <a:spLocks noGrp="1"/>
+          </p:cNvSpPr>
+          <p:nvPr>
+            <p:ph idx="1"/>
+          </p:nvPr>
+        </p:nvSpPr>
+        <p:spPr/>
+        <p:txBody>
+          <a:bodyPr/>
+          <a:lstStyle/>
+          <a:p>
+            <a:r>
+              <a:rPr lang="en-US" dirty="0" smtClean="0"/>
+              <a:t>The shell is a program that takes in keyboard commands, and then passes them to the operating system to execute.</a:t>
+            </a:r>
+          </a:p>
+          <a:p>
+            <a:r>
+              <a:rPr lang="en-US" dirty="0" smtClean="0"/>
+              <a:t>Almost all </a:t>
+            </a:r>
+            <a:r>
+              <a:rPr lang="en-US" dirty="0" err="1" smtClean="0"/>
+              <a:t>linux</a:t>
+            </a:r>
+            <a:r>
+              <a:rPr lang="en-US" dirty="0" smtClean="0"/>
+              <a:t> distros provide a shell program called bash.</a:t>
+            </a:r>
+          </a:p>
+          <a:p>
+            <a:r>
+              <a:rPr lang="en-US" dirty="0" smtClean="0"/>
+              <a:t>Bash stands for Bourne Again </a:t>
+            </a:r>
+            <a:r>
+              <a:rPr lang="en-US" dirty="0" err="1" smtClean="0"/>
+              <a:t>SHell</a:t>
+            </a:r>
+            <a:r>
+              <a:rPr lang="en-US" dirty="0" smtClean="0"/>
+              <a:t>. </a:t>
+            </a:r>
+          </a:p>
+          <a:p>
+            <a:r>
+              <a:rPr lang="en-US" dirty="0" smtClean="0"/>
+              <a:t>Bash is the replacement for </a:t>
+            </a:r>
+            <a:r>
+              <a:rPr lang="en-US" dirty="0" err="1" smtClean="0"/>
+              <a:t>sh</a:t>
+            </a:r>
+            <a:r>
+              <a:rPr lang="en-US" dirty="0" smtClean="0"/>
+              <a:t>, which was the original </a:t>
+            </a:r>
+            <a:r>
+              <a:rPr lang="en-US" dirty="0" err="1" smtClean="0"/>
+              <a:t>unix</a:t>
+            </a:r>
+            <a:r>
+              <a:rPr lang="en-US" dirty="0" smtClean="0"/>
+              <a:t> shell program written by Steven Bourne.</a:t>
+            </a:r>
+          </a:p>
+          <a:p>
+            <a:r>
+              <a:rPr lang="en-US" dirty="0" smtClean="0"/>
+              <a:t>We need a terminal emulator to interact with the shell.</a:t>
+            </a:r>
+            <a:endParaRPr lang="en-US" dirty="0"/>
+          </a:p>
+        </p:txBody>
+      </p:sp>
+    </p:spTree>
+    <p:extLst>
+      <p:ext uri="{BB962C8B-B14F-4D97-AF65-F5344CB8AC3E}">
+        <p14:creationId xmlns:p14="http://schemas.microsoft.com/office/powerpoint/2010/main" val="1681834357"/>
+      </p:ext>
+    </p:extLst>
+  </p:cSld>
+  <p:clrMapOvr>
+    <a:masterClrMapping/>
+  </p:clrMapOvr>
+  <p:timing>
+    <p:tnLst>
+      <p:par>
+        <p:cTn id="1" dur="indefinite" restart="never" nodeType="tmRoot"/>
+      </p:par>
+    </p:tnLst>
+  </p:timing>
+</p:sld>
+</file>
+
+<file path=ppt/slides/slide20.xml><?xml version="1.0" encoding="utf-8"?>
+<p:sld xmlns:a="http://schemas.openxmlformats.org/drawingml/2006/main" xmlns:r="http://schemas.openxmlformats.org/officeDocument/2006/relationships" xmlns:p="http://schemas.openxmlformats.org/presentationml/2006/main">
+  <p:cSld>
+    <p:spTree>
+      <p:nvGrpSpPr>
+        <p:cNvPr id="1" name=""/>
+        <p:cNvGrpSpPr/>
+        <p:nvPr/>
+      </p:nvGrpSpPr>
+      <p:grpSpPr>
+        <a:xfrm>
+          <a:off x="0" y="0"/>
+          <a:ext cx="0" cy="0"/>
+          <a:chOff x="0" y="0"/>
+          <a:chExt cx="0" cy="0"/>
+        </a:xfrm>
+      </p:grpSpPr>
+      <p:sp>
+        <p:nvSpPr>
+          <p:cNvPr id="2" name="Title 1"/>
+          <p:cNvSpPr>
+            <a:spLocks noGrp="1"/>
+          </p:cNvSpPr>
+          <p:nvPr>
+            <p:ph type="title"/>
+          </p:nvPr>
+        </p:nvSpPr>
+        <p:spPr/>
+        <p:txBody>
+          <a:bodyPr/>
+          <a:lstStyle/>
+          <a:p>
             <a:endParaRPr lang="en-US" dirty="0"/>
           </a:p>
         </p:txBody>
@@ -3802,7 +4443,7 @@
 </p:sld>
 </file>
 
-<file path=ppt/slides/slide17.xml><?xml version="1.0" encoding="utf-8"?>
+<file path=ppt/slides/slide21.xml><?xml version="1.0" encoding="utf-8"?>
 <p:sld xmlns:a="http://schemas.openxmlformats.org/drawingml/2006/main" xmlns:r="http://schemas.openxmlformats.org/officeDocument/2006/relationships" xmlns:p="http://schemas.openxmlformats.org/presentationml/2006/main">
   <p:cSld>
     <p:spTree>
@@ -3898,7 +4539,7 @@
 </p:sld>
 </file>
 
-<file path=ppt/slides/slide18.xml><?xml version="1.0" encoding="utf-8"?>
+<file path=ppt/slides/slide22.xml><?xml version="1.0" encoding="utf-8"?>
 <p:sld xmlns:a="http://schemas.openxmlformats.org/drawingml/2006/main" xmlns:r="http://schemas.openxmlformats.org/officeDocument/2006/relationships" xmlns:p="http://schemas.openxmlformats.org/presentationml/2006/main">
   <p:cSld>
     <p:spTree>
@@ -3932,7 +4573,7 @@
           <a:p>
             <a:r>
               <a:rPr lang="en-US" dirty="0" smtClean="0"/>
-              <a:t>Chapter 4 - Manipulating Files and Directories</a:t>
+              <a:t>Symbolic Links</a:t>
             </a:r>
             <a:endParaRPr lang="en-US" dirty="0"/>
           </a:p>
@@ -3955,34 +4596,29 @@
           <a:p>
             <a:r>
               <a:rPr lang="en-US" dirty="0" smtClean="0"/>
-              <a:t>Wildcards allow you to specify groups of filenames. Using wildcards is also known as </a:t>
-            </a:r>
-            <a:r>
-              <a:rPr lang="en-US" i="1" dirty="0" err="1" smtClean="0"/>
-              <a:t>globbing</a:t>
-            </a:r>
-            <a:r>
-              <a:rPr lang="en-US" i="1" dirty="0" smtClean="0"/>
-              <a:t>. </a:t>
-            </a:r>
-            <a:r>
-              <a:rPr lang="en-US" dirty="0" smtClean="0"/>
-              <a:t>It allows you to select filenames based on patterns.</a:t>
-            </a:r>
-          </a:p>
-          <a:p>
-            <a:r>
-              <a:rPr lang="en-US" i="1" dirty="0" smtClean="0"/>
-              <a:t> </a:t>
-            </a:r>
-            <a:endParaRPr lang="en-US" i="1" dirty="0"/>
+              <a:t>Are files that can reference other files with different names.</a:t>
+            </a:r>
+          </a:p>
+          <a:p>
+            <a:r>
+              <a:rPr lang="en-US" dirty="0" smtClean="0"/>
+              <a:t>Rather than creating a new version of the file that is being occupied in a program or by a user, we can create a symbolic link/</a:t>
+            </a:r>
+            <a:r>
+              <a:rPr lang="en-US" dirty="0" err="1" smtClean="0"/>
+              <a:t>sym</a:t>
+            </a:r>
+            <a:r>
+              <a:rPr lang="en-US" dirty="0" smtClean="0"/>
+              <a:t>-link/soft link that points to the file every time it is updated. View pg. 47 for better understanding.</a:t>
+            </a:r>
           </a:p>
         </p:txBody>
       </p:sp>
     </p:spTree>
     <p:extLst>
       <p:ext uri="{BB962C8B-B14F-4D97-AF65-F5344CB8AC3E}">
-        <p14:creationId xmlns:p14="http://schemas.microsoft.com/office/powerpoint/2010/main" val="1512782963"/>
+        <p14:creationId xmlns:p14="http://schemas.microsoft.com/office/powerpoint/2010/main" val="546410788"/>
       </p:ext>
     </p:extLst>
   </p:cSld>
@@ -3992,7 +4628,7 @@
 </p:sld>
 </file>
 
-<file path=ppt/slides/slide2.xml><?xml version="1.0" encoding="utf-8"?>
+<file path=ppt/slides/slide23.xml><?xml version="1.0" encoding="utf-8"?>
 <p:sld xmlns:a="http://schemas.openxmlformats.org/drawingml/2006/main" xmlns:r="http://schemas.openxmlformats.org/officeDocument/2006/relationships" xmlns:p="http://schemas.openxmlformats.org/presentationml/2006/main">
   <p:cSld>
     <p:spTree>
@@ -4026,7 +4662,7 @@
           <a:p>
             <a:r>
               <a:rPr lang="en-US" dirty="0" smtClean="0"/>
-              <a:t>The Shell</a:t>
+              <a:t>Chapter 4 - Manipulating Files and Directories</a:t>
             </a:r>
             <a:endParaRPr lang="en-US" dirty="0"/>
           </a:p>
@@ -4049,85 +4685,40 @@
           <a:p>
             <a:r>
               <a:rPr lang="en-US" dirty="0" smtClean="0"/>
-              <a:t>The shell is a program that takes in keyboard commands, and then passes them to the operating system to execute.</a:t>
-            </a:r>
-          </a:p>
-          <a:p>
-            <a:r>
-              <a:rPr lang="en-US" dirty="0" smtClean="0"/>
-              <a:t>Almost all </a:t>
-            </a:r>
-            <a:r>
-              <a:rPr lang="en-US" dirty="0" err="1" smtClean="0"/>
-              <a:t>linux</a:t>
-            </a:r>
-            <a:r>
-              <a:rPr lang="en-US" dirty="0" smtClean="0"/>
-              <a:t> distros provide a shell program called bash.</a:t>
-            </a:r>
-          </a:p>
-          <a:p>
-            <a:r>
-              <a:rPr lang="en-US" dirty="0" smtClean="0"/>
-              <a:t>Bash stands for Bourne Again </a:t>
-            </a:r>
-            <a:r>
-              <a:rPr lang="en-US" dirty="0" err="1" smtClean="0"/>
-              <a:t>SHell</a:t>
-            </a:r>
-            <a:r>
-              <a:rPr lang="en-US" dirty="0" smtClean="0"/>
+              <a:t>Wildcards allow you to specify groups of filenames. Using wildcards is also known as </a:t>
+            </a:r>
+            <a:r>
+              <a:rPr lang="en-US" i="1" dirty="0" err="1" smtClean="0"/>
+              <a:t>globbing</a:t>
+            </a:r>
+            <a:r>
+              <a:rPr lang="en-US" i="1" dirty="0" smtClean="0"/>
               <a:t>. </a:t>
             </a:r>
-          </a:p>
-          <a:p>
-            <a:r>
-              <a:rPr lang="en-US" dirty="0" smtClean="0"/>
-              <a:t>Bash is the replacement for </a:t>
-            </a:r>
-            <a:r>
-              <a:rPr lang="en-US" dirty="0" err="1" smtClean="0"/>
-              <a:t>sh</a:t>
-            </a:r>
-            <a:r>
-              <a:rPr lang="en-US" dirty="0" smtClean="0"/>
-              <a:t>, which was the original </a:t>
-            </a:r>
-            <a:r>
-              <a:rPr lang="en-US" dirty="0" err="1" smtClean="0"/>
-              <a:t>unix</a:t>
-            </a:r>
-            <a:r>
-              <a:rPr lang="en-US" dirty="0" smtClean="0"/>
-              <a:t> shell program written by Steven Bourne.</a:t>
-            </a:r>
-          </a:p>
-          <a:p>
-            <a:r>
-              <a:rPr lang="en-US" dirty="0" smtClean="0"/>
-              <a:t>We need a terminal emulator to interact with the shell.</a:t>
-            </a:r>
-            <a:endParaRPr lang="en-US" dirty="0"/>
+            <a:r>
+              <a:rPr lang="en-US" dirty="0" smtClean="0"/>
+              <a:t>It allows you to select filenames based on patterns.</a:t>
+            </a:r>
+          </a:p>
+          <a:p>
+            <a:r>
+              <a:rPr lang="en-US" i="1" dirty="0" smtClean="0"/>
+              <a:t> </a:t>
+            </a:r>
+            <a:endParaRPr lang="en-US" i="1" dirty="0"/>
           </a:p>
         </p:txBody>
       </p:sp>
     </p:spTree>
     <p:extLst>
       <p:ext uri="{BB962C8B-B14F-4D97-AF65-F5344CB8AC3E}">
-        <p14:creationId xmlns:p14="http://schemas.microsoft.com/office/powerpoint/2010/main" val="1681834357"/>
+        <p14:creationId xmlns:p14="http://schemas.microsoft.com/office/powerpoint/2010/main" val="1512782963"/>
       </p:ext>
     </p:extLst>
   </p:cSld>
   <p:clrMapOvr>
     <a:masterClrMapping/>
   </p:clrMapOvr>
-  <p:timing>
-    <p:tnLst>
-      <p:par>
-        <p:cTn id="1" dur="indefinite" restart="never" nodeType="tmRoot"/>
-      </p:par>
-    </p:tnLst>
-  </p:timing>
 </p:sld>
 </file>
 

--- a/Notes/shell-notes.pptx
+++ b/Notes/shell-notes.pptx
@@ -28,6 +28,9 @@
     <p:sldId id="272" r:id="rId22"/>
     <p:sldId id="278" r:id="rId23"/>
     <p:sldId id="273" r:id="rId24"/>
+    <p:sldId id="279" r:id="rId25"/>
+    <p:sldId id="280" r:id="rId26"/>
+    <p:sldId id="281" r:id="rId27"/>
   </p:sldIdLst>
   <p:sldSz cx="12192000" cy="6858000"/>
   <p:notesSz cx="6858000" cy="9144000"/>
@@ -4705,6 +4708,12 @@
               <a:rPr lang="en-US" i="1" dirty="0" smtClean="0"/>
               <a:t> </a:t>
             </a:r>
+            <a:r>
+              <a:rPr lang="en-US" dirty="0" smtClean="0"/>
+              <a:t>Example of using a wildcard: “ls [[:upper:]]*” this will list all of the files that match with the first character beginning with an uppercase.</a:t>
+            </a:r>
+          </a:p>
+          <a:p>
             <a:endParaRPr lang="en-US" i="1" dirty="0"/>
           </a:p>
         </p:txBody>
@@ -4713,6 +4722,417 @@
     <p:extLst>
       <p:ext uri="{BB962C8B-B14F-4D97-AF65-F5344CB8AC3E}">
         <p14:creationId xmlns:p14="http://schemas.microsoft.com/office/powerpoint/2010/main" val="1512782963"/>
+      </p:ext>
+    </p:extLst>
+  </p:cSld>
+  <p:clrMapOvr>
+    <a:masterClrMapping/>
+  </p:clrMapOvr>
+</p:sld>
+</file>
+
+<file path=ppt/slides/slide24.xml><?xml version="1.0" encoding="utf-8"?>
+<p:sld xmlns:a="http://schemas.openxmlformats.org/drawingml/2006/main" xmlns:r="http://schemas.openxmlformats.org/officeDocument/2006/relationships" xmlns:p="http://schemas.openxmlformats.org/presentationml/2006/main">
+  <p:cSld>
+    <p:spTree>
+      <p:nvGrpSpPr>
+        <p:cNvPr id="1" name=""/>
+        <p:cNvGrpSpPr/>
+        <p:nvPr/>
+      </p:nvGrpSpPr>
+      <p:grpSpPr>
+        <a:xfrm>
+          <a:off x="0" y="0"/>
+          <a:ext cx="0" cy="0"/>
+          <a:chOff x="0" y="0"/>
+          <a:chExt cx="0" cy="0"/>
+        </a:xfrm>
+      </p:grpSpPr>
+      <p:sp>
+        <p:nvSpPr>
+          <p:cNvPr id="2" name="Title 1"/>
+          <p:cNvSpPr>
+            <a:spLocks noGrp="1"/>
+          </p:cNvSpPr>
+          <p:nvPr>
+            <p:ph type="title"/>
+          </p:nvPr>
+        </p:nvSpPr>
+        <p:spPr/>
+        <p:txBody>
+          <a:bodyPr/>
+          <a:lstStyle/>
+          <a:p>
+            <a:r>
+              <a:rPr lang="en-US" dirty="0" smtClean="0"/>
+              <a:t>Try the following Wildcard commands</a:t>
+            </a:r>
+            <a:endParaRPr lang="en-US" dirty="0"/>
+          </a:p>
+        </p:txBody>
+      </p:sp>
+      <p:sp>
+        <p:nvSpPr>
+          <p:cNvPr id="3" name="Content Placeholder 2"/>
+          <p:cNvSpPr>
+            <a:spLocks noGrp="1"/>
+          </p:cNvSpPr>
+          <p:nvPr>
+            <p:ph idx="1"/>
+          </p:nvPr>
+        </p:nvSpPr>
+        <p:spPr/>
+        <p:txBody>
+          <a:bodyPr>
+            <a:normAutofit fontScale="92500"/>
+          </a:bodyPr>
+          <a:lstStyle/>
+          <a:p>
+            <a:r>
+              <a:rPr lang="en-US" dirty="0" smtClean="0"/>
+              <a:t>To get a better grasp of how these wildcard commands work, try the following commands:</a:t>
+            </a:r>
+          </a:p>
+          <a:p>
+            <a:r>
+              <a:rPr lang="en-US" dirty="0" smtClean="0"/>
+              <a:t>ls [</a:t>
+            </a:r>
+            <a:r>
+              <a:rPr lang="en-US" dirty="0" err="1" smtClean="0"/>
+              <a:t>ijk</a:t>
+            </a:r>
+            <a:r>
+              <a:rPr lang="en-US" dirty="0" smtClean="0"/>
+              <a:t>]* - list all files that begin with </a:t>
+            </a:r>
+            <a:r>
+              <a:rPr lang="en-US" dirty="0" err="1" smtClean="0"/>
+              <a:t>i</a:t>
+            </a:r>
+            <a:r>
+              <a:rPr lang="en-US" dirty="0" smtClean="0"/>
+              <a:t>, j, or k. If the file is a directory, it will list all of the contents in that directory.</a:t>
+            </a:r>
+          </a:p>
+          <a:p>
+            <a:r>
+              <a:rPr lang="en-US" dirty="0" smtClean="0"/>
+              <a:t>ls [[:upper:]]* - list all files that begin with an uppercase character, if the file is a directory, it will list all of the contents in that directory.</a:t>
+            </a:r>
+          </a:p>
+          <a:p>
+            <a:r>
+              <a:rPr lang="en-US" dirty="0" smtClean="0"/>
+              <a:t>Create a file called “</a:t>
+            </a:r>
+            <a:r>
+              <a:rPr lang="en-US" dirty="0" err="1" smtClean="0"/>
+              <a:t>index.html</a:t>
+            </a:r>
+            <a:r>
+              <a:rPr lang="en-US" dirty="0" smtClean="0"/>
+              <a:t>”, in the same </a:t>
+            </a:r>
+            <a:r>
+              <a:rPr lang="en-US" dirty="0" err="1" smtClean="0"/>
+              <a:t>cwd</a:t>
+            </a:r>
+            <a:r>
+              <a:rPr lang="en-US" dirty="0"/>
+              <a:t> </a:t>
+            </a:r>
+            <a:r>
+              <a:rPr lang="en-US" dirty="0" smtClean="0"/>
+              <a:t>(current working directory), type “ls index?????”, </a:t>
+            </a:r>
+            <a:r>
+              <a:rPr lang="en-US" dirty="0" err="1" smtClean="0"/>
+              <a:t>index.html</a:t>
+            </a:r>
+            <a:r>
+              <a:rPr lang="en-US" dirty="0" smtClean="0"/>
+              <a:t> will show up. The command will list all files that start with ”index” and end with exactly five characters.</a:t>
+            </a:r>
+          </a:p>
+          <a:p>
+            <a:r>
+              <a:rPr lang="en-US" dirty="0" smtClean="0"/>
+              <a:t>There are obviously more options, but you get the point.</a:t>
+            </a:r>
+            <a:endParaRPr lang="en-US" dirty="0"/>
+          </a:p>
+        </p:txBody>
+      </p:sp>
+    </p:spTree>
+    <p:extLst>
+      <p:ext uri="{BB962C8B-B14F-4D97-AF65-F5344CB8AC3E}">
+        <p14:creationId xmlns:p14="http://schemas.microsoft.com/office/powerpoint/2010/main" val="175563234"/>
+      </p:ext>
+    </p:extLst>
+  </p:cSld>
+  <p:clrMapOvr>
+    <a:masterClrMapping/>
+  </p:clrMapOvr>
+</p:sld>
+</file>
+
+<file path=ppt/slides/slide25.xml><?xml version="1.0" encoding="utf-8"?>
+<p:sld xmlns:a="http://schemas.openxmlformats.org/drawingml/2006/main" xmlns:r="http://schemas.openxmlformats.org/officeDocument/2006/relationships" xmlns:p="http://schemas.openxmlformats.org/presentationml/2006/main">
+  <p:cSld>
+    <p:spTree>
+      <p:nvGrpSpPr>
+        <p:cNvPr id="1" name=""/>
+        <p:cNvGrpSpPr/>
+        <p:nvPr/>
+      </p:nvGrpSpPr>
+      <p:grpSpPr>
+        <a:xfrm>
+          <a:off x="0" y="0"/>
+          <a:ext cx="0" cy="0"/>
+          <a:chOff x="0" y="0"/>
+          <a:chExt cx="0" cy="0"/>
+        </a:xfrm>
+      </p:grpSpPr>
+      <p:sp>
+        <p:nvSpPr>
+          <p:cNvPr id="2" name="Title 1"/>
+          <p:cNvSpPr>
+            <a:spLocks noGrp="1"/>
+          </p:cNvSpPr>
+          <p:nvPr>
+            <p:ph type="title"/>
+          </p:nvPr>
+        </p:nvSpPr>
+        <p:spPr/>
+        <p:txBody>
+          <a:bodyPr/>
+          <a:lstStyle/>
+          <a:p>
+            <a:r>
+              <a:rPr lang="en-US" dirty="0" smtClean="0"/>
+              <a:t>Creating directories using the “</a:t>
+            </a:r>
+            <a:r>
+              <a:rPr lang="en-US" dirty="0" err="1" smtClean="0"/>
+              <a:t>mkdir</a:t>
+            </a:r>
+            <a:r>
+              <a:rPr lang="en-US" dirty="0" smtClean="0"/>
+              <a:t>” command</a:t>
+            </a:r>
+            <a:endParaRPr lang="en-US" dirty="0"/>
+          </a:p>
+        </p:txBody>
+      </p:sp>
+      <p:sp>
+        <p:nvSpPr>
+          <p:cNvPr id="3" name="Content Placeholder 2"/>
+          <p:cNvSpPr>
+            <a:spLocks noGrp="1"/>
+          </p:cNvSpPr>
+          <p:nvPr>
+            <p:ph idx="1"/>
+          </p:nvPr>
+        </p:nvSpPr>
+        <p:spPr/>
+        <p:txBody>
+          <a:bodyPr/>
+          <a:lstStyle/>
+          <a:p>
+            <a:r>
+              <a:rPr lang="en-US" dirty="0" smtClean="0"/>
+              <a:t>You can use the </a:t>
+            </a:r>
+            <a:r>
+              <a:rPr lang="en-US" b="1" dirty="0" err="1" smtClean="0"/>
+              <a:t>mkdir</a:t>
+            </a:r>
+            <a:r>
+              <a:rPr lang="en-US" dirty="0" smtClean="0"/>
+              <a:t> command to create directories. </a:t>
+            </a:r>
+          </a:p>
+          <a:p>
+            <a:r>
+              <a:rPr lang="en-US" dirty="0" smtClean="0"/>
+              <a:t>“</a:t>
+            </a:r>
+            <a:r>
+              <a:rPr lang="en-US" dirty="0" err="1" smtClean="0"/>
+              <a:t>mkdir</a:t>
+            </a:r>
+            <a:r>
+              <a:rPr lang="en-US" dirty="0" smtClean="0"/>
+              <a:t> </a:t>
+            </a:r>
+            <a:r>
+              <a:rPr lang="en-US" u="sng" dirty="0" smtClean="0"/>
+              <a:t>name of directory</a:t>
+            </a:r>
+            <a:r>
+              <a:rPr lang="en-US" dirty="0" smtClean="0"/>
+              <a:t>”</a:t>
+            </a:r>
+          </a:p>
+          <a:p>
+            <a:r>
+              <a:rPr lang="en-US" dirty="0" smtClean="0"/>
+              <a:t>You can also create multiple directories: “</a:t>
+            </a:r>
+            <a:r>
+              <a:rPr lang="en-US" dirty="0" err="1" smtClean="0"/>
+              <a:t>mkdir</a:t>
+            </a:r>
+            <a:r>
+              <a:rPr lang="en-US" dirty="0" smtClean="0"/>
+              <a:t> dir1 dir2 dir3 </a:t>
+            </a:r>
+            <a:r>
+              <a:rPr lang="mr-IN" dirty="0" smtClean="0"/>
+              <a:t>……</a:t>
+            </a:r>
+            <a:r>
+              <a:rPr lang="en-US" dirty="0" smtClean="0"/>
+              <a:t>. “</a:t>
+            </a:r>
+          </a:p>
+          <a:p>
+            <a:endParaRPr lang="en-US" dirty="0" smtClean="0"/>
+          </a:p>
+        </p:txBody>
+      </p:sp>
+    </p:spTree>
+    <p:extLst>
+      <p:ext uri="{BB962C8B-B14F-4D97-AF65-F5344CB8AC3E}">
+        <p14:creationId xmlns:p14="http://schemas.microsoft.com/office/powerpoint/2010/main" val="1664409252"/>
+      </p:ext>
+    </p:extLst>
+  </p:cSld>
+  <p:clrMapOvr>
+    <a:masterClrMapping/>
+  </p:clrMapOvr>
+</p:sld>
+</file>
+
+<file path=ppt/slides/slide26.xml><?xml version="1.0" encoding="utf-8"?>
+<p:sld xmlns:a="http://schemas.openxmlformats.org/drawingml/2006/main" xmlns:r="http://schemas.openxmlformats.org/officeDocument/2006/relationships" xmlns:p="http://schemas.openxmlformats.org/presentationml/2006/main">
+  <p:cSld>
+    <p:spTree>
+      <p:nvGrpSpPr>
+        <p:cNvPr id="1" name=""/>
+        <p:cNvGrpSpPr/>
+        <p:nvPr/>
+      </p:nvGrpSpPr>
+      <p:grpSpPr>
+        <a:xfrm>
+          <a:off x="0" y="0"/>
+          <a:ext cx="0" cy="0"/>
+          <a:chOff x="0" y="0"/>
+          <a:chExt cx="0" cy="0"/>
+        </a:xfrm>
+      </p:grpSpPr>
+      <p:sp>
+        <p:nvSpPr>
+          <p:cNvPr id="2" name="Title 1"/>
+          <p:cNvSpPr>
+            <a:spLocks noGrp="1"/>
+          </p:cNvSpPr>
+          <p:nvPr>
+            <p:ph type="title"/>
+          </p:nvPr>
+        </p:nvSpPr>
+        <p:spPr/>
+        <p:txBody>
+          <a:bodyPr/>
+          <a:lstStyle/>
+          <a:p>
+            <a:r>
+              <a:rPr lang="en-US" dirty="0" smtClean="0"/>
+              <a:t>Copy files </a:t>
+            </a:r>
+            <a:r>
+              <a:rPr lang="en-US" smtClean="0"/>
+              <a:t>and destinations with “</a:t>
+            </a:r>
+            <a:r>
+              <a:rPr lang="en-US" dirty="0" err="1" smtClean="0"/>
+              <a:t>cp</a:t>
+            </a:r>
+            <a:r>
+              <a:rPr lang="en-US" dirty="0" smtClean="0"/>
+              <a:t>”</a:t>
+            </a:r>
+            <a:endParaRPr lang="en-US" dirty="0"/>
+          </a:p>
+        </p:txBody>
+      </p:sp>
+      <p:sp>
+        <p:nvSpPr>
+          <p:cNvPr id="3" name="Content Placeholder 2"/>
+          <p:cNvSpPr>
+            <a:spLocks noGrp="1"/>
+          </p:cNvSpPr>
+          <p:nvPr>
+            <p:ph idx="1"/>
+          </p:nvPr>
+        </p:nvSpPr>
+        <p:spPr/>
+        <p:txBody>
+          <a:bodyPr/>
+          <a:lstStyle/>
+          <a:p>
+            <a:r>
+              <a:rPr lang="en-US" dirty="0" smtClean="0"/>
+              <a:t>The </a:t>
+            </a:r>
+            <a:r>
+              <a:rPr lang="en-US" dirty="0" err="1" smtClean="0"/>
+              <a:t>cp</a:t>
+            </a:r>
+            <a:r>
+              <a:rPr lang="en-US" dirty="0" smtClean="0"/>
+              <a:t> command copies files or directories.</a:t>
+            </a:r>
+          </a:p>
+          <a:p>
+            <a:r>
+              <a:rPr lang="en-US" dirty="0" smtClean="0"/>
+              <a:t>“</a:t>
+            </a:r>
+            <a:r>
+              <a:rPr lang="en-US" dirty="0" err="1" smtClean="0"/>
+              <a:t>cp</a:t>
+            </a:r>
+            <a:r>
+              <a:rPr lang="en-US" dirty="0" smtClean="0"/>
+              <a:t> item1 item2” - this copies the single file item1 or directory item1 to file or directory item2.</a:t>
+            </a:r>
+          </a:p>
+          <a:p>
+            <a:r>
+              <a:rPr lang="en-US" dirty="0" smtClean="0"/>
+              <a:t>“</a:t>
+            </a:r>
+            <a:r>
+              <a:rPr lang="en-US" dirty="0" err="1" smtClean="0"/>
+              <a:t>cp</a:t>
+            </a:r>
+            <a:r>
+              <a:rPr lang="en-US" dirty="0" smtClean="0"/>
+              <a:t> item1 item2 item3 dir1” - this copies multiple items or directories into the directory dir1</a:t>
+            </a:r>
+            <a:r>
+              <a:rPr lang="en-US" smtClean="0"/>
+              <a:t>. </a:t>
+            </a:r>
+          </a:p>
+        </p:txBody>
+      </p:sp>
+    </p:spTree>
+    <p:extLst>
+      <p:ext uri="{BB962C8B-B14F-4D97-AF65-F5344CB8AC3E}">
+        <p14:creationId xmlns:p14="http://schemas.microsoft.com/office/powerpoint/2010/main" val="328651886"/>
       </p:ext>
     </p:extLst>
   </p:cSld>

--- a/Notes/shell-notes.pptx
+++ b/Notes/shell-notes.pptx
@@ -31,6 +31,10 @@
     <p:sldId id="279" r:id="rId25"/>
     <p:sldId id="280" r:id="rId26"/>
     <p:sldId id="281" r:id="rId27"/>
+    <p:sldId id="282" r:id="rId28"/>
+    <p:sldId id="283" r:id="rId29"/>
+    <p:sldId id="284" r:id="rId30"/>
+    <p:sldId id="285" r:id="rId31"/>
   </p:sldIdLst>
   <p:sldSz cx="12192000" cy="6858000"/>
   <p:notesSz cx="6858000" cy="9144000"/>
@@ -5120,11 +5124,7 @@
             </a:r>
             <a:r>
               <a:rPr lang="en-US" dirty="0" smtClean="0"/>
-              <a:t> item1 item2 item3 dir1” - this copies multiple items or directories into the directory dir1</a:t>
-            </a:r>
-            <a:r>
-              <a:rPr lang="en-US" smtClean="0"/>
-              <a:t>. </a:t>
+              <a:t> item1 item2 item3 dir1” - this copies multiple items or directories into the directory dir1. </a:t>
             </a:r>
           </a:p>
         </p:txBody>
@@ -5133,6 +5133,317 @@
     <p:extLst>
       <p:ext uri="{BB962C8B-B14F-4D97-AF65-F5344CB8AC3E}">
         <p14:creationId xmlns:p14="http://schemas.microsoft.com/office/powerpoint/2010/main" val="328651886"/>
+      </p:ext>
+    </p:extLst>
+  </p:cSld>
+  <p:clrMapOvr>
+    <a:masterClrMapping/>
+  </p:clrMapOvr>
+</p:sld>
+</file>
+
+<file path=ppt/slides/slide27.xml><?xml version="1.0" encoding="utf-8"?>
+<p:sld xmlns:a="http://schemas.openxmlformats.org/drawingml/2006/main" xmlns:r="http://schemas.openxmlformats.org/officeDocument/2006/relationships" xmlns:p="http://schemas.openxmlformats.org/presentationml/2006/main">
+  <p:cSld>
+    <p:spTree>
+      <p:nvGrpSpPr>
+        <p:cNvPr id="1" name=""/>
+        <p:cNvGrpSpPr/>
+        <p:nvPr/>
+      </p:nvGrpSpPr>
+      <p:grpSpPr>
+        <a:xfrm>
+          <a:off x="0" y="0"/>
+          <a:ext cx="0" cy="0"/>
+          <a:chOff x="0" y="0"/>
+          <a:chExt cx="0" cy="0"/>
+        </a:xfrm>
+      </p:grpSpPr>
+      <p:sp>
+        <p:nvSpPr>
+          <p:cNvPr id="2" name="Title 1"/>
+          <p:cNvSpPr>
+            <a:spLocks noGrp="1"/>
+          </p:cNvSpPr>
+          <p:nvPr>
+            <p:ph type="title"/>
+          </p:nvPr>
+        </p:nvSpPr>
+        <p:spPr/>
+        <p:txBody>
+          <a:bodyPr/>
+          <a:lstStyle/>
+          <a:p>
+            <a:r>
+              <a:rPr lang="en-US" dirty="0" smtClean="0"/>
+              <a:t>Creating Links</a:t>
+            </a:r>
+            <a:endParaRPr lang="en-US" dirty="0"/>
+          </a:p>
+        </p:txBody>
+      </p:sp>
+      <p:sp>
+        <p:nvSpPr>
+          <p:cNvPr id="3" name="Content Placeholder 2"/>
+          <p:cNvSpPr>
+            <a:spLocks noGrp="1"/>
+          </p:cNvSpPr>
+          <p:nvPr>
+            <p:ph idx="1"/>
+          </p:nvPr>
+        </p:nvSpPr>
+        <p:spPr/>
+        <p:txBody>
+          <a:bodyPr/>
+          <a:lstStyle/>
+          <a:p>
+            <a:r>
+              <a:rPr lang="en-US" dirty="0" smtClean="0"/>
+              <a:t>The </a:t>
+            </a:r>
+            <a:r>
+              <a:rPr lang="en-US" b="1" dirty="0" smtClean="0"/>
+              <a:t>ln</a:t>
+            </a:r>
+            <a:r>
+              <a:rPr lang="en-US" dirty="0" smtClean="0"/>
+              <a:t> command is used to create either hard or symbolic/soft links.</a:t>
+            </a:r>
+          </a:p>
+          <a:p>
+            <a:r>
+              <a:rPr lang="en-US" dirty="0" smtClean="0"/>
+              <a:t>“ln file </a:t>
+            </a:r>
+            <a:r>
+              <a:rPr lang="en-US" i="1" dirty="0" smtClean="0"/>
+              <a:t>link” </a:t>
+            </a:r>
+            <a:r>
+              <a:rPr lang="en-US" dirty="0" smtClean="0"/>
+              <a:t>creates a hard link.</a:t>
+            </a:r>
+          </a:p>
+          <a:p>
+            <a:r>
+              <a:rPr lang="en-US" dirty="0" smtClean="0"/>
+              <a:t>“ln -s item </a:t>
+            </a:r>
+            <a:r>
+              <a:rPr lang="en-US" i="1" dirty="0" smtClean="0"/>
+              <a:t>link”</a:t>
+            </a:r>
+            <a:r>
+              <a:rPr lang="en-US" dirty="0" smtClean="0"/>
+              <a:t> creates a soft link. In this case, item is either a file or a directory.</a:t>
+            </a:r>
+          </a:p>
+        </p:txBody>
+      </p:sp>
+    </p:spTree>
+    <p:extLst>
+      <p:ext uri="{BB962C8B-B14F-4D97-AF65-F5344CB8AC3E}">
+        <p14:creationId xmlns:p14="http://schemas.microsoft.com/office/powerpoint/2010/main" val="1406656898"/>
+      </p:ext>
+    </p:extLst>
+  </p:cSld>
+  <p:clrMapOvr>
+    <a:masterClrMapping/>
+  </p:clrMapOvr>
+</p:sld>
+</file>
+
+<file path=ppt/slides/slide28.xml><?xml version="1.0" encoding="utf-8"?>
+<p:sld xmlns:a="http://schemas.openxmlformats.org/drawingml/2006/main" xmlns:r="http://schemas.openxmlformats.org/officeDocument/2006/relationships" xmlns:p="http://schemas.openxmlformats.org/presentationml/2006/main">
+  <p:cSld>
+    <p:spTree>
+      <p:nvGrpSpPr>
+        <p:cNvPr id="1" name=""/>
+        <p:cNvGrpSpPr/>
+        <p:nvPr/>
+      </p:nvGrpSpPr>
+      <p:grpSpPr>
+        <a:xfrm>
+          <a:off x="0" y="0"/>
+          <a:ext cx="0" cy="0"/>
+          <a:chOff x="0" y="0"/>
+          <a:chExt cx="0" cy="0"/>
+        </a:xfrm>
+      </p:grpSpPr>
+      <p:sp>
+        <p:nvSpPr>
+          <p:cNvPr id="2" name="Title 1"/>
+          <p:cNvSpPr>
+            <a:spLocks noGrp="1"/>
+          </p:cNvSpPr>
+          <p:nvPr>
+            <p:ph type="title"/>
+          </p:nvPr>
+        </p:nvSpPr>
+        <p:spPr/>
+        <p:txBody>
+          <a:bodyPr/>
+          <a:lstStyle/>
+          <a:p>
+            <a:r>
+              <a:rPr lang="en-US" dirty="0" smtClean="0"/>
+              <a:t>Hard Links</a:t>
+            </a:r>
+            <a:endParaRPr lang="en-US" dirty="0"/>
+          </a:p>
+        </p:txBody>
+      </p:sp>
+      <p:sp>
+        <p:nvSpPr>
+          <p:cNvPr id="3" name="Content Placeholder 2"/>
+          <p:cNvSpPr>
+            <a:spLocks noGrp="1"/>
+          </p:cNvSpPr>
+          <p:nvPr>
+            <p:ph idx="1"/>
+          </p:nvPr>
+        </p:nvSpPr>
+        <p:spPr/>
+        <p:txBody>
+          <a:bodyPr/>
+          <a:lstStyle/>
+          <a:p>
+            <a:r>
+              <a:rPr lang="en-US" dirty="0" smtClean="0"/>
+              <a:t>Symbolic links are more modern compared to hard links, but they are the original way on Unix to creating links.</a:t>
+            </a:r>
+          </a:p>
+          <a:p>
+            <a:r>
+              <a:rPr lang="en-US" dirty="0" smtClean="0"/>
+              <a:t>By default, every file has a single hard link that gives the file its name. Recall that “-</a:t>
+            </a:r>
+            <a:r>
+              <a:rPr lang="en-US" dirty="0" err="1"/>
+              <a:t>rw</a:t>
+            </a:r>
+            <a:r>
+              <a:rPr lang="en-US" dirty="0"/>
+              <a:t>-r--r-- 	</a:t>
+            </a:r>
+            <a:r>
+              <a:rPr lang="en-US" dirty="0" smtClean="0"/>
+              <a:t>1 </a:t>
+            </a:r>
+            <a:r>
+              <a:rPr lang="mr-IN" dirty="0" smtClean="0"/>
+              <a:t>…</a:t>
+            </a:r>
+            <a:r>
+              <a:rPr lang="en-US" dirty="0" smtClean="0"/>
+              <a:t>” from the output displayed using the long option, the field ’1’ represents the amount of </a:t>
+            </a:r>
+            <a:r>
+              <a:rPr lang="en-US" b="1" dirty="0" smtClean="0"/>
+              <a:t>hard</a:t>
+            </a:r>
+            <a:r>
+              <a:rPr lang="en-US" dirty="0" smtClean="0"/>
+              <a:t> links the file itself has.</a:t>
+            </a:r>
+          </a:p>
+          <a:p>
+            <a:r>
+              <a:rPr lang="en-US" dirty="0" smtClean="0"/>
+              <a:t>Hard links cannot reference a file outside its own file system. Which means a link cannot reference a file that is not on the same disk partition as the link itself.</a:t>
+            </a:r>
+          </a:p>
+          <a:p>
+            <a:r>
+              <a:rPr lang="en-US" dirty="0" smtClean="0"/>
+              <a:t>Hard links may not reference a directory.</a:t>
+            </a:r>
+          </a:p>
+          <a:p>
+            <a:endParaRPr lang="en-US" dirty="0"/>
+          </a:p>
+        </p:txBody>
+      </p:sp>
+    </p:spTree>
+    <p:extLst>
+      <p:ext uri="{BB962C8B-B14F-4D97-AF65-F5344CB8AC3E}">
+        <p14:creationId xmlns:p14="http://schemas.microsoft.com/office/powerpoint/2010/main" val="1889831334"/>
+      </p:ext>
+    </p:extLst>
+  </p:cSld>
+  <p:clrMapOvr>
+    <a:masterClrMapping/>
+  </p:clrMapOvr>
+</p:sld>
+</file>
+
+<file path=ppt/slides/slide29.xml><?xml version="1.0" encoding="utf-8"?>
+<p:sld xmlns:a="http://schemas.openxmlformats.org/drawingml/2006/main" xmlns:r="http://schemas.openxmlformats.org/officeDocument/2006/relationships" xmlns:p="http://schemas.openxmlformats.org/presentationml/2006/main">
+  <p:cSld>
+    <p:spTree>
+      <p:nvGrpSpPr>
+        <p:cNvPr id="1" name=""/>
+        <p:cNvGrpSpPr/>
+        <p:nvPr/>
+      </p:nvGrpSpPr>
+      <p:grpSpPr>
+        <a:xfrm>
+          <a:off x="0" y="0"/>
+          <a:ext cx="0" cy="0"/>
+          <a:chOff x="0" y="0"/>
+          <a:chExt cx="0" cy="0"/>
+        </a:xfrm>
+      </p:grpSpPr>
+      <p:sp>
+        <p:nvSpPr>
+          <p:cNvPr id="2" name="Title 1"/>
+          <p:cNvSpPr>
+            <a:spLocks noGrp="1"/>
+          </p:cNvSpPr>
+          <p:nvPr>
+            <p:ph type="title"/>
+          </p:nvPr>
+        </p:nvSpPr>
+        <p:spPr/>
+        <p:txBody>
+          <a:bodyPr/>
+          <a:lstStyle/>
+          <a:p>
+            <a:r>
+              <a:rPr lang="en-US" dirty="0" smtClean="0"/>
+              <a:t>Hard links cont.</a:t>
+            </a:r>
+            <a:endParaRPr lang="en-US" dirty="0"/>
+          </a:p>
+        </p:txBody>
+      </p:sp>
+      <p:sp>
+        <p:nvSpPr>
+          <p:cNvPr id="3" name="Content Placeholder 2"/>
+          <p:cNvSpPr>
+            <a:spLocks noGrp="1"/>
+          </p:cNvSpPr>
+          <p:nvPr>
+            <p:ph idx="1"/>
+          </p:nvPr>
+        </p:nvSpPr>
+        <p:spPr/>
+        <p:txBody>
+          <a:bodyPr/>
+          <a:lstStyle/>
+          <a:p>
+            <a:r>
+              <a:rPr lang="en-US" dirty="0" smtClean="0"/>
+              <a:t>When a hard link is deleted, the content of the files remain unchanged until ALL hard links are removed. That means space is not deallocated.</a:t>
+            </a:r>
+            <a:endParaRPr lang="en-US" dirty="0"/>
+          </a:p>
+        </p:txBody>
+      </p:sp>
+    </p:spTree>
+    <p:extLst>
+      <p:ext uri="{BB962C8B-B14F-4D97-AF65-F5344CB8AC3E}">
+        <p14:creationId xmlns:p14="http://schemas.microsoft.com/office/powerpoint/2010/main" val="128902495"/>
       </p:ext>
     </p:extLst>
   </p:cSld>
@@ -5231,6 +5542,108 @@
       </p:par>
     </p:tnLst>
   </p:timing>
+</p:sld>
+</file>
+
+<file path=ppt/slides/slide30.xml><?xml version="1.0" encoding="utf-8"?>
+<p:sld xmlns:a="http://schemas.openxmlformats.org/drawingml/2006/main" xmlns:r="http://schemas.openxmlformats.org/officeDocument/2006/relationships" xmlns:p="http://schemas.openxmlformats.org/presentationml/2006/main">
+  <p:cSld>
+    <p:spTree>
+      <p:nvGrpSpPr>
+        <p:cNvPr id="1" name=""/>
+        <p:cNvGrpSpPr/>
+        <p:nvPr/>
+      </p:nvGrpSpPr>
+      <p:grpSpPr>
+        <a:xfrm>
+          <a:off x="0" y="0"/>
+          <a:ext cx="0" cy="0"/>
+          <a:chOff x="0" y="0"/>
+          <a:chExt cx="0" cy="0"/>
+        </a:xfrm>
+      </p:grpSpPr>
+      <p:sp>
+        <p:nvSpPr>
+          <p:cNvPr id="2" name="Title 1"/>
+          <p:cNvSpPr>
+            <a:spLocks noGrp="1"/>
+          </p:cNvSpPr>
+          <p:nvPr>
+            <p:ph type="title"/>
+          </p:nvPr>
+        </p:nvSpPr>
+        <p:spPr/>
+        <p:txBody>
+          <a:bodyPr/>
+          <a:lstStyle/>
+          <a:p>
+            <a:r>
+              <a:rPr lang="en-US" dirty="0" smtClean="0"/>
+              <a:t>Symbolic Links</a:t>
+            </a:r>
+            <a:endParaRPr lang="en-US" dirty="0"/>
+          </a:p>
+        </p:txBody>
+      </p:sp>
+      <p:sp>
+        <p:nvSpPr>
+          <p:cNvPr id="3" name="Content Placeholder 2"/>
+          <p:cNvSpPr>
+            <a:spLocks noGrp="1"/>
+          </p:cNvSpPr>
+          <p:nvPr>
+            <p:ph idx="1"/>
+          </p:nvPr>
+        </p:nvSpPr>
+        <p:spPr/>
+        <p:txBody>
+          <a:bodyPr/>
+          <a:lstStyle/>
+          <a:p>
+            <a:r>
+              <a:rPr lang="en-US" dirty="0" smtClean="0"/>
+              <a:t>Symbolic links create a file that contain a text pointer to the referenced file or directory.</a:t>
+            </a:r>
+          </a:p>
+          <a:p>
+            <a:r>
+              <a:rPr lang="en-US" dirty="0" smtClean="0"/>
+              <a:t>If a symbolic link points to a file, then we may write to the symbolic link, this will also write to the file it is pointing to. </a:t>
+            </a:r>
+          </a:p>
+          <a:p>
+            <a:r>
+              <a:rPr lang="en-US" dirty="0" smtClean="0"/>
+              <a:t>If we delete the file that the link is pointing to, the link will still exist but will point to nothing. The link is said to be broken.</a:t>
+            </a:r>
+          </a:p>
+          <a:p>
+            <a:r>
+              <a:rPr lang="en-US" dirty="0" smtClean="0"/>
+              <a:t>The </a:t>
+            </a:r>
+            <a:r>
+              <a:rPr lang="en-US" b="1" dirty="0" smtClean="0"/>
+              <a:t>ls </a:t>
+            </a:r>
+            <a:r>
+              <a:rPr lang="en-US" dirty="0" smtClean="0"/>
+              <a:t>command will display broken links in red to reveal their presence.</a:t>
+            </a:r>
+            <a:endParaRPr lang="en-US" dirty="0"/>
+          </a:p>
+        </p:txBody>
+      </p:sp>
+    </p:spTree>
+    <p:extLst>
+      <p:ext uri="{BB962C8B-B14F-4D97-AF65-F5344CB8AC3E}">
+        <p14:creationId xmlns:p14="http://schemas.microsoft.com/office/powerpoint/2010/main" val="1963402897"/>
+      </p:ext>
+    </p:extLst>
+  </p:cSld>
+  <p:clrMapOvr>
+    <a:masterClrMapping/>
+  </p:clrMapOvr>
 </p:sld>
 </file>
 
